--- a/Presentaties/Presentatie 19-10.pptx
+++ b/Presentaties/Presentatie 19-10.pptx
@@ -8,9 +8,15 @@
     <p:sldId id="256" r:id="rId2"/>
     <p:sldId id="257" r:id="rId3"/>
     <p:sldId id="258" r:id="rId4"/>
-    <p:sldId id="259" r:id="rId5"/>
-    <p:sldId id="260" r:id="rId6"/>
-    <p:sldId id="261" r:id="rId7"/>
+    <p:sldId id="262" r:id="rId5"/>
+    <p:sldId id="263" r:id="rId6"/>
+    <p:sldId id="264" r:id="rId7"/>
+    <p:sldId id="261" r:id="rId8"/>
+    <p:sldId id="265" r:id="rId9"/>
+    <p:sldId id="266" r:id="rId10"/>
+    <p:sldId id="268" r:id="rId11"/>
+    <p:sldId id="269" r:id="rId12"/>
+    <p:sldId id="270" r:id="rId13"/>
   </p:sldIdLst>
   <p:sldSz cx="12192000" cy="6858000"/>
   <p:notesSz cx="6858000" cy="9144000"/>
@@ -109,6 +115,11 @@
       </a:defRPr>
     </a:lvl9pPr>
   </p:defaultTextStyle>
+  <p:extLst>
+    <p:ext uri="{EFAFB233-063F-42B5-8137-9DF3F51BA10A}">
+      <p15:sldGuideLst xmlns:p15="http://schemas.microsoft.com/office/powerpoint/2012/main"/>
+    </p:ext>
+  </p:extLst>
 </p:presentation>
 </file>
 
@@ -621,7 +632,7 @@
             <a:fld id="{E9462EF3-3C4F-43EE-ACEE-D4B806740EA3}" type="datetimeFigureOut">
               <a:rPr lang="en-US" dirty="0"/>
               <a:pPr/>
-              <a:t>10/18/2020</a:t>
+              <a:t>10/19/2020</a:t>
             </a:fld>
             <a:endParaRPr lang="en-US" dirty="0"/>
           </a:p>
@@ -1501,7 +1512,7 @@
           </a:lstStyle>
           <a:p>
             <a:r>
-              <a:rPr lang="nl-NL"/>
+              <a:rPr lang="nl-NL" dirty="0"/>
               <a:t>Klik op het pictogram als u een afbeelding wilt toevoegen</a:t>
             </a:r>
             <a:endParaRPr lang="en-US" dirty="0"/>
@@ -1599,7 +1610,7 @@
           <a:p>
             <a:fld id="{36343B39-165A-4B68-AA5C-581F5336313C}" type="datetimeFigureOut">
               <a:rPr lang="en-US" dirty="0"/>
-              <a:t>10/18/2020</a:t>
+              <a:t>10/19/2020</a:t>
             </a:fld>
             <a:endParaRPr lang="en-US" dirty="0"/>
           </a:p>
@@ -2465,7 +2476,7 @@
           <a:p>
             <a:fld id="{942C8C57-33F9-4259-AC4F-0E3F5BEC9B94}" type="datetimeFigureOut">
               <a:rPr lang="en-US" dirty="0"/>
-              <a:t>10/18/2020</a:t>
+              <a:t>10/19/2020</a:t>
             </a:fld>
             <a:endParaRPr lang="en-US" dirty="0"/>
           </a:p>
@@ -3482,7 +3493,7 @@
           <a:p>
             <a:fld id="{8748772B-8FA2-401F-A0A1-A59855EDBC3E}" type="datetimeFigureOut">
               <a:rPr lang="en-US" dirty="0"/>
-              <a:t>10/18/2020</a:t>
+              <a:t>10/19/2020</a:t>
             </a:fld>
             <a:endParaRPr lang="en-US" dirty="0"/>
           </a:p>
@@ -4398,7 +4409,7 @@
           <a:p>
             <a:fld id="{D3DD5BDE-5A90-4611-82E9-0FC5746D30C5}" type="datetimeFigureOut">
               <a:rPr lang="en-US" dirty="0"/>
-              <a:t>10/18/2020</a:t>
+              <a:t>10/19/2020</a:t>
             </a:fld>
             <a:endParaRPr lang="en-US" dirty="0"/>
           </a:p>
@@ -5050,7 +5061,7 @@
           <a:p>
             <a:fld id="{1ADDA17D-0BEA-4E76-A7FC-F7C188BC48D1}" type="datetimeFigureOut">
               <a:rPr lang="en-US" dirty="0"/>
-              <a:t>10/18/2020</a:t>
+              <a:t>10/19/2020</a:t>
             </a:fld>
             <a:endParaRPr lang="en-US" dirty="0"/>
           </a:p>
@@ -5302,7 +5313,7 @@
           </a:lstStyle>
           <a:p>
             <a:r>
-              <a:rPr lang="nl-NL"/>
+              <a:rPr lang="nl-NL" dirty="0"/>
               <a:t>Klik op het pictogram als u een afbeelding wilt toevoegen</a:t>
             </a:r>
             <a:endParaRPr lang="en-US" dirty="0"/>
@@ -5519,7 +5530,7 @@
           </a:lstStyle>
           <a:p>
             <a:r>
-              <a:rPr lang="nl-NL"/>
+              <a:rPr lang="nl-NL" dirty="0"/>
               <a:t>Klik op het pictogram als u een afbeelding wilt toevoegen</a:t>
             </a:r>
             <a:endParaRPr lang="en-US" dirty="0"/>
@@ -5736,7 +5747,7 @@
           </a:lstStyle>
           <a:p>
             <a:r>
-              <a:rPr lang="nl-NL"/>
+              <a:rPr lang="nl-NL" dirty="0"/>
               <a:t>Klik op het pictogram als u een afbeelding wilt toevoegen</a:t>
             </a:r>
             <a:endParaRPr lang="en-US" dirty="0"/>
@@ -5903,7 +5914,7 @@
           <a:p>
             <a:fld id="{6909AC7D-18CA-4236-82B9-D75EB1D66EAE}" type="datetimeFigureOut">
               <a:rPr lang="en-US" dirty="0"/>
-              <a:t>10/18/2020</a:t>
+              <a:t>10/19/2020</a:t>
             </a:fld>
             <a:endParaRPr lang="en-US" dirty="0"/>
           </a:p>
@@ -6082,7 +6093,7 @@
           <a:p>
             <a:fld id="{5568300E-C023-45CD-A0BE-EDB7A8C6EA8B}" type="datetimeFigureOut">
               <a:rPr lang="en-US" dirty="0"/>
-              <a:t>10/18/2020</a:t>
+              <a:t>10/19/2020</a:t>
             </a:fld>
             <a:endParaRPr lang="en-US" dirty="0"/>
           </a:p>
@@ -6935,7 +6946,7 @@
           <a:p>
             <a:fld id="{3B620EAD-E369-4933-8469-ED7764B56A1B}" type="datetimeFigureOut">
               <a:rPr lang="en-US" dirty="0"/>
-              <a:t>10/18/2020</a:t>
+              <a:t>10/19/2020</a:t>
             </a:fld>
             <a:endParaRPr lang="en-US" dirty="0"/>
           </a:p>
@@ -7150,7 +7161,7 @@
           <a:p>
             <a:fld id="{076C0EF2-9919-473B-8215-8616BAF10692}" type="datetimeFigureOut">
               <a:rPr lang="en-US" dirty="0"/>
-              <a:t>10/18/2020</a:t>
+              <a:t>10/19/2020</a:t>
             </a:fld>
             <a:endParaRPr lang="en-US" dirty="0"/>
           </a:p>
@@ -8071,7 +8082,7 @@
           <a:p>
             <a:fld id="{A09472EB-AC54-4713-BFC2-BEB621108C63}" type="datetimeFigureOut">
               <a:rPr lang="en-US" dirty="0"/>
-              <a:t>10/18/2020</a:t>
+              <a:t>10/19/2020</a:t>
             </a:fld>
             <a:endParaRPr lang="en-US" dirty="0"/>
           </a:p>
@@ -8351,7 +8362,7 @@
           <a:p>
             <a:fld id="{99455A0C-791E-4545-B787-F98AD45CD761}" type="datetimeFigureOut">
               <a:rPr lang="en-US" dirty="0"/>
-              <a:t>10/18/2020</a:t>
+              <a:t>10/19/2020</a:t>
             </a:fld>
             <a:endParaRPr lang="en-US" dirty="0"/>
           </a:p>
@@ -8737,7 +8748,7 @@
           <a:p>
             <a:fld id="{42536B77-F4F4-4427-AC4F-9A623798AD82}" type="datetimeFigureOut">
               <a:rPr lang="en-US" dirty="0"/>
-              <a:t>10/18/2020</a:t>
+              <a:t>10/19/2020</a:t>
             </a:fld>
             <a:endParaRPr lang="en-US" dirty="0"/>
           </a:p>
@@ -8859,7 +8870,7 @@
           <a:p>
             <a:fld id="{D8BE790C-34EB-4565-8437-CACF4CDB7822}" type="datetimeFigureOut">
               <a:rPr lang="en-US" dirty="0"/>
-              <a:t>10/18/2020</a:t>
+              <a:t>10/19/2020</a:t>
             </a:fld>
             <a:endParaRPr lang="en-US" dirty="0"/>
           </a:p>
@@ -8950,7 +8961,7 @@
           <a:p>
             <a:fld id="{F84A4C11-22B8-4A4E-8126-B3AF6B948A8E}" type="datetimeFigureOut">
               <a:rPr lang="en-US" dirty="0"/>
-              <a:t>10/18/2020</a:t>
+              <a:t>10/19/2020</a:t>
             </a:fld>
             <a:endParaRPr lang="en-US" dirty="0"/>
           </a:p>
@@ -9917,7 +9928,7 @@
           <a:p>
             <a:fld id="{16ED06B6-C816-4861-964D-15A98395707D}" type="datetimeFigureOut">
               <a:rPr lang="en-US" dirty="0"/>
-              <a:t>10/18/2020</a:t>
+              <a:t>10/19/2020</a:t>
             </a:fld>
             <a:endParaRPr lang="en-US" dirty="0"/>
           </a:p>
@@ -10810,7 +10821,7 @@
           </a:lstStyle>
           <a:p>
             <a:r>
-              <a:rPr lang="nl-NL"/>
+              <a:rPr lang="nl-NL" dirty="0"/>
               <a:t>Klik op het pictogram als u een afbeelding wilt toevoegen</a:t>
             </a:r>
             <a:endParaRPr lang="en-US" dirty="0"/>
@@ -10908,7 +10919,7 @@
           <a:p>
             <a:fld id="{00B1A8AB-EA7C-4B1B-9D73-E2551851FABE}" type="datetimeFigureOut">
               <a:rPr lang="en-US" dirty="0"/>
-              <a:t>10/18/2020</a:t>
+              <a:t>10/19/2020</a:t>
             </a:fld>
             <a:endParaRPr lang="en-US" dirty="0"/>
           </a:p>
@@ -11788,7 +11799,7 @@
           <a:p>
             <a:fld id="{90786BE5-D2A3-4BF0-8B30-D7403E61B3DC}" type="datetimeFigureOut">
               <a:rPr lang="en-US" dirty="0"/>
-              <a:t>10/18/2020</a:t>
+              <a:t>10/19/2020</a:t>
             </a:fld>
             <a:endParaRPr lang="en-US" dirty="0"/>
           </a:p>
@@ -12360,14 +12371,26 @@
             <p:ph type="ctrTitle"/>
           </p:nvPr>
         </p:nvSpPr>
-        <p:spPr/>
+        <p:spPr>
+          <a:xfrm>
+            <a:off x="1154955" y="2064563"/>
+            <a:ext cx="8825658" cy="2677648"/>
+          </a:xfrm>
+        </p:spPr>
         <p:txBody>
           <a:bodyPr/>
           <a:lstStyle/>
           <a:p>
             <a:r>
               <a:rPr lang="nl-BE" dirty="0"/>
-              <a:t>Meeting 19 oktober</a:t>
+              <a:t>Meeting 19 oktober –</a:t>
+            </a:r>
+            <a:br>
+              <a:rPr lang="nl-BE" dirty="0"/>
+            </a:br>
+            <a:r>
+              <a:rPr lang="nl-BE" dirty="0"/>
+              <a:t>groep 2B</a:t>
             </a:r>
           </a:p>
         </p:txBody>
@@ -12415,10 +12438,9 @@
               <a:buChar char="•"/>
             </a:pPr>
             <a:r>
-              <a:rPr lang="nl-BE" sz="1200" dirty="0" err="1"/>
+              <a:rPr lang="nl-BE" sz="1200" dirty="0"/>
               <a:t>VLADYslav</a:t>
             </a:r>
-            <a:endParaRPr lang="nl-BE" sz="1200" dirty="0"/>
           </a:p>
           <a:p>
             <a:pPr marL="171450" indent="-171450">
@@ -12449,10 +12471,378 @@
           </a:p>
         </p:txBody>
       </p:sp>
+      <p:pic>
+        <p:nvPicPr>
+          <p:cNvPr id="1028" name="Picture 4" descr="smsx_sim_98950360 | Ingimage: Cheap Royalty Free Subscription, Stock  Photos, Vector Illustrations &amp; Fonts"/>
+          <p:cNvPicPr>
+            <a:picLocks noChangeAspect="1" noChangeArrowheads="1"/>
+          </p:cNvPicPr>
+          <p:nvPr/>
+        </p:nvPicPr>
+        <p:blipFill>
+          <a:blip r:embed="rId2">
+            <a:extLst>
+              <a:ext uri="{28A0092B-C50C-407E-A947-70E740481C1C}">
+                <a14:useLocalDpi xmlns:a14="http://schemas.microsoft.com/office/drawing/2010/main" val="0"/>
+              </a:ext>
+            </a:extLst>
+          </a:blip>
+          <a:srcRect/>
+          <a:stretch>
+            <a:fillRect/>
+          </a:stretch>
+        </p:blipFill>
+        <p:spPr bwMode="auto">
+          <a:xfrm>
+            <a:off x="8366493" y="3057750"/>
+            <a:ext cx="3333750" cy="3333750"/>
+          </a:xfrm>
+          <a:prstGeom prst="rect">
+            <a:avLst/>
+          </a:prstGeom>
+          <a:noFill/>
+          <a:extLst>
+            <a:ext uri="{909E8E84-426E-40DD-AFC4-6F175D3DCCD1}">
+              <a14:hiddenFill xmlns:a14="http://schemas.microsoft.com/office/drawing/2010/main">
+                <a:solidFill>
+                  <a:srgbClr val="FFFFFF"/>
+                </a:solidFill>
+              </a14:hiddenFill>
+            </a:ext>
+          </a:extLst>
+        </p:spPr>
+      </p:pic>
     </p:spTree>
     <p:extLst>
       <p:ext uri="{BB962C8B-B14F-4D97-AF65-F5344CB8AC3E}">
         <p14:creationId xmlns:p14="http://schemas.microsoft.com/office/powerpoint/2010/main" val="3362957057"/>
+      </p:ext>
+    </p:extLst>
+  </p:cSld>
+  <p:clrMapOvr>
+    <a:masterClrMapping/>
+  </p:clrMapOvr>
+</p:sld>
+</file>
+
+<file path=ppt/slides/slide10.xml><?xml version="1.0" encoding="utf-8"?>
+<p:sld xmlns:a="http://schemas.openxmlformats.org/drawingml/2006/main" xmlns:r="http://schemas.openxmlformats.org/officeDocument/2006/relationships" xmlns:p="http://schemas.openxmlformats.org/presentationml/2006/main">
+  <p:cSld>
+    <p:spTree>
+      <p:nvGrpSpPr>
+        <p:cNvPr id="1" name=""/>
+        <p:cNvGrpSpPr/>
+        <p:nvPr/>
+      </p:nvGrpSpPr>
+      <p:grpSpPr>
+        <a:xfrm>
+          <a:off x="0" y="0"/>
+          <a:ext cx="0" cy="0"/>
+          <a:chOff x="0" y="0"/>
+          <a:chExt cx="0" cy="0"/>
+        </a:xfrm>
+      </p:grpSpPr>
+      <p:sp>
+        <p:nvSpPr>
+          <p:cNvPr id="2" name="Title 1"/>
+          <p:cNvSpPr>
+            <a:spLocks noGrp="1"/>
+          </p:cNvSpPr>
+          <p:nvPr>
+            <p:ph type="title"/>
+          </p:nvPr>
+        </p:nvSpPr>
+        <p:spPr/>
+        <p:txBody>
+          <a:bodyPr/>
+          <a:lstStyle/>
+          <a:p>
+            <a:r>
+              <a:rPr lang="nl-BE" dirty="0"/>
+              <a:t>JSON (GUI) laag (2/2)</a:t>
+            </a:r>
+          </a:p>
+        </p:txBody>
+      </p:sp>
+      <p:sp>
+        <p:nvSpPr>
+          <p:cNvPr id="4" name="TextBox 3"/>
+          <p:cNvSpPr txBox="1"/>
+          <p:nvPr/>
+        </p:nvSpPr>
+        <p:spPr>
+          <a:xfrm>
+            <a:off x="124747" y="2901461"/>
+            <a:ext cx="4465254" cy="923330"/>
+          </a:xfrm>
+          <a:prstGeom prst="rect">
+            <a:avLst/>
+          </a:prstGeom>
+          <a:noFill/>
+        </p:spPr>
+        <p:txBody>
+          <a:bodyPr wrap="square" rtlCol="0">
+            <a:spAutoFit/>
+          </a:bodyPr>
+          <a:lstStyle/>
+          <a:p>
+            <a:r>
+              <a:rPr lang="nl-BE" dirty="0"/>
+              <a:t>Hij verifieert of er geldige strips in staan en zet ze om naar Strip objecten die naar db kunnen worden geüpload.</a:t>
+            </a:r>
+          </a:p>
+        </p:txBody>
+      </p:sp>
+      <p:pic>
+        <p:nvPicPr>
+          <p:cNvPr id="3" name="Picture 2"/>
+          <p:cNvPicPr>
+            <a:picLocks noChangeAspect="1"/>
+          </p:cNvPicPr>
+          <p:nvPr/>
+        </p:nvPicPr>
+        <p:blipFill>
+          <a:blip r:embed="rId2"/>
+          <a:stretch>
+            <a:fillRect/>
+          </a:stretch>
+        </p:blipFill>
+        <p:spPr>
+          <a:xfrm>
+            <a:off x="4590001" y="2901461"/>
+            <a:ext cx="7601999" cy="3956539"/>
+          </a:xfrm>
+          <a:prstGeom prst="rect">
+            <a:avLst/>
+          </a:prstGeom>
+        </p:spPr>
+      </p:pic>
+    </p:spTree>
+    <p:extLst>
+      <p:ext uri="{BB962C8B-B14F-4D97-AF65-F5344CB8AC3E}">
+        <p14:creationId xmlns:p14="http://schemas.microsoft.com/office/powerpoint/2010/main" val="4272948982"/>
+      </p:ext>
+    </p:extLst>
+  </p:cSld>
+  <p:clrMapOvr>
+    <a:masterClrMapping/>
+  </p:clrMapOvr>
+</p:sld>
+</file>
+
+<file path=ppt/slides/slide11.xml><?xml version="1.0" encoding="utf-8"?>
+<p:sld xmlns:a="http://schemas.openxmlformats.org/drawingml/2006/main" xmlns:r="http://schemas.openxmlformats.org/officeDocument/2006/relationships" xmlns:p="http://schemas.openxmlformats.org/presentationml/2006/main">
+  <p:cSld>
+    <p:spTree>
+      <p:nvGrpSpPr>
+        <p:cNvPr id="1" name=""/>
+        <p:cNvGrpSpPr/>
+        <p:nvPr/>
+      </p:nvGrpSpPr>
+      <p:grpSpPr>
+        <a:xfrm>
+          <a:off x="0" y="0"/>
+          <a:ext cx="0" cy="0"/>
+          <a:chOff x="0" y="0"/>
+          <a:chExt cx="0" cy="0"/>
+        </a:xfrm>
+      </p:grpSpPr>
+      <p:sp>
+        <p:nvSpPr>
+          <p:cNvPr id="2" name="Title 1"/>
+          <p:cNvSpPr>
+            <a:spLocks noGrp="1"/>
+          </p:cNvSpPr>
+          <p:nvPr>
+            <p:ph type="title"/>
+          </p:nvPr>
+        </p:nvSpPr>
+        <p:spPr/>
+        <p:txBody>
+          <a:bodyPr/>
+          <a:lstStyle/>
+          <a:p>
+            <a:r>
+              <a:rPr lang="nl-BE" dirty="0"/>
+              <a:t>Wat we volbracht hebben sinds vorige meeting (1/2)</a:t>
+            </a:r>
+          </a:p>
+        </p:txBody>
+      </p:sp>
+      <p:sp>
+        <p:nvSpPr>
+          <p:cNvPr id="3" name="Content Placeholder 2"/>
+          <p:cNvSpPr>
+            <a:spLocks noGrp="1"/>
+          </p:cNvSpPr>
+          <p:nvPr>
+            <p:ph idx="1"/>
+          </p:nvPr>
+        </p:nvSpPr>
+        <p:spPr>
+          <a:xfrm>
+            <a:off x="1154954" y="2603500"/>
+            <a:ext cx="10487317" cy="3416300"/>
+          </a:xfrm>
+        </p:spPr>
+        <p:txBody>
+          <a:bodyPr>
+            <a:normAutofit lnSpcReduction="10000"/>
+          </a:bodyPr>
+          <a:lstStyle/>
+          <a:p>
+            <a:r>
+              <a:rPr lang="nl-BE" dirty="0"/>
+              <a:t>GUI toont nu strips, meer controles en code bijgevoegd</a:t>
+            </a:r>
+          </a:p>
+          <a:p>
+            <a:r>
+              <a:rPr lang="nl-BE" dirty="0"/>
+              <a:t>JSON GUI aangemaakt</a:t>
+            </a:r>
+          </a:p>
+          <a:p>
+            <a:r>
+              <a:rPr lang="nl-BE" dirty="0"/>
+              <a:t>Betere manier om met connectie string om te gaan gevonden.</a:t>
+            </a:r>
+          </a:p>
+          <a:p>
+            <a:r>
+              <a:rPr lang="nl-BE" dirty="0"/>
+              <a:t>Query's voor laatste id terug te vinden geschreven</a:t>
+            </a:r>
+          </a:p>
+          <a:p>
+            <a:r>
+              <a:rPr lang="nl-BE" dirty="0"/>
+              <a:t>Query's voor Auteur/reeks/uitgeverij terug te vinden op string naam geschreven</a:t>
+            </a:r>
+          </a:p>
+          <a:p>
+            <a:r>
+              <a:rPr lang="nl-BE" dirty="0"/>
+              <a:t>“void RemoveStripById(int id)” query geschreven</a:t>
+            </a:r>
+          </a:p>
+          <a:p>
+            <a:r>
+              <a:rPr lang="nl-BE" dirty="0"/>
+              <a:t>“Strip FindStripById(int id)” query geschreven</a:t>
+            </a:r>
+          </a:p>
+          <a:p>
+            <a:r>
+              <a:rPr lang="nl-BE" dirty="0"/>
+              <a:t>“IEnumerable&lt;Strip&gt; FindAll_strip()” query bijna af geschreven</a:t>
+            </a:r>
+          </a:p>
+          <a:p>
+            <a:r>
+              <a:rPr lang="nl-BE" dirty="0"/>
+              <a:t>“IEnumerable&lt;Strip&gt; FindAll_ByAuteur(Uitgeverij uitgeverij)query geschreven</a:t>
+            </a:r>
+          </a:p>
+          <a:p>
+            <a:endParaRPr lang="nl-BE" dirty="0"/>
+          </a:p>
+          <a:p>
+            <a:endParaRPr lang="nl-BE" dirty="0"/>
+          </a:p>
+          <a:p>
+            <a:endParaRPr lang="nl-BE" dirty="0"/>
+          </a:p>
+          <a:p>
+            <a:endParaRPr lang="nl-BE" dirty="0"/>
+          </a:p>
+          <a:p>
+            <a:endParaRPr lang="nl-BE" dirty="0"/>
+          </a:p>
+        </p:txBody>
+      </p:sp>
+    </p:spTree>
+    <p:extLst>
+      <p:ext uri="{BB962C8B-B14F-4D97-AF65-F5344CB8AC3E}">
+        <p14:creationId xmlns:p14="http://schemas.microsoft.com/office/powerpoint/2010/main" val="3246113980"/>
+      </p:ext>
+    </p:extLst>
+  </p:cSld>
+  <p:clrMapOvr>
+    <a:masterClrMapping/>
+  </p:clrMapOvr>
+</p:sld>
+</file>
+
+<file path=ppt/slides/slide12.xml><?xml version="1.0" encoding="utf-8"?>
+<p:sld xmlns:a="http://schemas.openxmlformats.org/drawingml/2006/main" xmlns:r="http://schemas.openxmlformats.org/officeDocument/2006/relationships" xmlns:p="http://schemas.openxmlformats.org/presentationml/2006/main">
+  <p:cSld>
+    <p:spTree>
+      <p:nvGrpSpPr>
+        <p:cNvPr id="1" name=""/>
+        <p:cNvGrpSpPr/>
+        <p:nvPr/>
+      </p:nvGrpSpPr>
+      <p:grpSpPr>
+        <a:xfrm>
+          <a:off x="0" y="0"/>
+          <a:ext cx="0" cy="0"/>
+          <a:chOff x="0" y="0"/>
+          <a:chExt cx="0" cy="0"/>
+        </a:xfrm>
+      </p:grpSpPr>
+      <p:sp>
+        <p:nvSpPr>
+          <p:cNvPr id="2" name="Title 1"/>
+          <p:cNvSpPr>
+            <a:spLocks noGrp="1"/>
+          </p:cNvSpPr>
+          <p:nvPr>
+            <p:ph type="title"/>
+          </p:nvPr>
+        </p:nvSpPr>
+        <p:spPr/>
+        <p:txBody>
+          <a:bodyPr/>
+          <a:lstStyle/>
+          <a:p>
+            <a:r>
+              <a:rPr lang="nl-BE" dirty="0"/>
+              <a:t>Wat we volbracht hebben sinds vorige meeting (2/2)</a:t>
+            </a:r>
+          </a:p>
+        </p:txBody>
+      </p:sp>
+      <p:sp>
+        <p:nvSpPr>
+          <p:cNvPr id="3" name="Content Placeholder 2"/>
+          <p:cNvSpPr>
+            <a:spLocks noGrp="1"/>
+          </p:cNvSpPr>
+          <p:nvPr>
+            <p:ph idx="1"/>
+          </p:nvPr>
+        </p:nvSpPr>
+        <p:spPr>
+          <a:xfrm>
+            <a:off x="1154954" y="2603500"/>
+            <a:ext cx="10487317" cy="3416300"/>
+          </a:xfrm>
+        </p:spPr>
+        <p:txBody>
+          <a:bodyPr>
+            <a:normAutofit/>
+          </a:bodyPr>
+          <a:lstStyle/>
+          <a:p>
+            <a:endParaRPr lang="nl-BE" dirty="0"/>
+          </a:p>
+        </p:txBody>
+      </p:sp>
+    </p:spTree>
+    <p:extLst>
+      <p:ext uri="{BB962C8B-B14F-4D97-AF65-F5344CB8AC3E}">
+        <p14:creationId xmlns:p14="http://schemas.microsoft.com/office/powerpoint/2010/main" val="4165671237"/>
       </p:ext>
     </p:extLst>
   </p:cSld>
@@ -12551,8 +12941,8 @@
         </p:nvSpPr>
         <p:spPr>
           <a:xfrm>
-            <a:off x="914400" y="2723029"/>
-            <a:ext cx="4827494" cy="923330"/>
+            <a:off x="914399" y="2723029"/>
+            <a:ext cx="6463416" cy="1477328"/>
           </a:xfrm>
           <a:prstGeom prst="rect">
             <a:avLst/>
@@ -12570,12 +12960,8 @@
               <a:buChar char="•"/>
             </a:pPr>
             <a:r>
-              <a:rPr lang="nl-BE" dirty="0" err="1"/>
-              <a:t>Businesslaag</a:t>
-            </a:r>
-            <a:r>
               <a:rPr lang="nl-BE" dirty="0"/>
-              <a:t>: Domein logica</a:t>
+              <a:t>Businesslaag: Domein logica</a:t>
             </a:r>
           </a:p>
           <a:p>
@@ -12584,12 +12970,8 @@
               <a:buChar char="•"/>
             </a:pPr>
             <a:r>
-              <a:rPr lang="nl-BE" dirty="0" err="1"/>
-              <a:t>Datalaag</a:t>
-            </a:r>
-            <a:r>
               <a:rPr lang="nl-BE" dirty="0"/>
-              <a:t>: Data logica</a:t>
+              <a:t>Datalaag: Data logica</a:t>
             </a:r>
           </a:p>
           <a:p>
@@ -12601,6 +12983,23 @@
               <a:rPr lang="nl-BE" dirty="0"/>
               <a:t>Gui: grafische userinterfase</a:t>
             </a:r>
+          </a:p>
+          <a:p>
+            <a:pPr marL="285750" indent="-285750">
+              <a:buFont typeface="Arial" panose="020B0604020202020204" pitchFamily="34" charset="0"/>
+              <a:buChar char="•"/>
+            </a:pPr>
+            <a:r>
+              <a:rPr lang="nl-BE" dirty="0"/>
+              <a:t>JSON: grafische userinterfase om json in te lezen</a:t>
+            </a:r>
+          </a:p>
+          <a:p>
+            <a:pPr marL="285750" indent="-285750">
+              <a:buFont typeface="Arial" panose="020B0604020202020204" pitchFamily="34" charset="0"/>
+              <a:buChar char="•"/>
+            </a:pPr>
+            <a:endParaRPr lang="nl-BE" dirty="0"/>
           </a:p>
         </p:txBody>
       </p:sp>
@@ -12656,10 +13055,9 @@
           <a:lstStyle/>
           <a:p>
             <a:r>
-              <a:rPr lang="nl-BE" dirty="0" err="1"/>
+              <a:rPr lang="nl-BE" dirty="0"/>
               <a:t>Businesslaag</a:t>
             </a:r>
-            <a:endParaRPr lang="nl-BE" dirty="0"/>
           </a:p>
         </p:txBody>
       </p:sp>
@@ -12679,22 +13077,122 @@
             <p:ph idx="1"/>
           </p:nvPr>
         </p:nvPicPr>
+        <p:blipFill rotWithShape="1">
+          <a:blip r:embed="rId2"/>
+          <a:srcRect r="23691"/>
+          <a:stretch/>
+        </p:blipFill>
+        <p:spPr>
+          <a:xfrm>
+            <a:off x="5955505" y="973669"/>
+            <a:ext cx="4129399" cy="1739824"/>
+          </a:xfrm>
+          <a:prstGeom prst="rect">
+            <a:avLst/>
+          </a:prstGeom>
+        </p:spPr>
+      </p:pic>
+      <p:pic>
+        <p:nvPicPr>
+          <p:cNvPr id="3" name="Picture 2"/>
+          <p:cNvPicPr>
+            <a:picLocks noChangeAspect="1"/>
+          </p:cNvPicPr>
+          <p:nvPr/>
+        </p:nvPicPr>
         <p:blipFill>
-          <a:blip r:embed="rId2"/>
+          <a:blip r:embed="rId3"/>
           <a:stretch>
             <a:fillRect/>
           </a:stretch>
         </p:blipFill>
         <p:spPr>
           <a:xfrm>
-            <a:off x="1154954" y="2805672"/>
-            <a:ext cx="4295775" cy="1381125"/>
+            <a:off x="5955505" y="2805672"/>
+            <a:ext cx="5926771" cy="3821560"/>
           </a:xfrm>
           <a:prstGeom prst="rect">
             <a:avLst/>
           </a:prstGeom>
         </p:spPr>
       </p:pic>
+      <p:sp>
+        <p:nvSpPr>
+          <p:cNvPr id="5" name="TextBox 4"/>
+          <p:cNvSpPr txBox="1"/>
+          <p:nvPr/>
+        </p:nvSpPr>
+        <p:spPr>
+          <a:xfrm>
+            <a:off x="730739" y="2425148"/>
+            <a:ext cx="4837044" cy="1200329"/>
+          </a:xfrm>
+          <a:prstGeom prst="rect">
+            <a:avLst/>
+          </a:prstGeom>
+          <a:noFill/>
+        </p:spPr>
+        <p:txBody>
+          <a:bodyPr wrap="square" rtlCol="0">
+            <a:spAutoFit/>
+          </a:bodyPr>
+          <a:lstStyle/>
+          <a:p>
+            <a:r>
+              <a:rPr lang="nl-BE" dirty="0"/>
+              <a:t>In Business laag staan al de </a:t>
+            </a:r>
+            <a:br>
+              <a:rPr lang="nl-BE" dirty="0"/>
+            </a:br>
+            <a:r>
+              <a:rPr lang="nl-BE" dirty="0"/>
+              <a:t>classes en de constructors die we nodig hebben, namelijk: Strip, Auteur, Reeks en Uitgeverij.</a:t>
+            </a:r>
+          </a:p>
+        </p:txBody>
+      </p:sp>
+      <p:sp>
+        <p:nvSpPr>
+          <p:cNvPr id="6" name="TextBox 5"/>
+          <p:cNvSpPr txBox="1"/>
+          <p:nvPr/>
+        </p:nvSpPr>
+        <p:spPr>
+          <a:xfrm>
+            <a:off x="728870" y="4426226"/>
+            <a:ext cx="4868640" cy="923330"/>
+          </a:xfrm>
+          <a:prstGeom prst="rect">
+            <a:avLst/>
+          </a:prstGeom>
+          <a:noFill/>
+        </p:spPr>
+        <p:txBody>
+          <a:bodyPr wrap="none" rtlCol="0">
+            <a:spAutoFit/>
+          </a:bodyPr>
+          <a:lstStyle/>
+          <a:p>
+            <a:r>
+              <a:rPr lang="nl-BE" dirty="0"/>
+              <a:t>U vind ook de skelet van onze Repository</a:t>
+            </a:r>
+          </a:p>
+          <a:p>
+            <a:r>
+              <a:rPr lang="nl-BE" dirty="0"/>
+              <a:t>Die verder wordt gebruikt in de Datalaag.</a:t>
+            </a:r>
+          </a:p>
+          <a:p>
+            <a:r>
+              <a:rPr lang="nl-BE" dirty="0"/>
+              <a:t>Hiernaast ziet u de methodes erin.</a:t>
+            </a:r>
+          </a:p>
+        </p:txBody>
+      </p:sp>
     </p:spTree>
     <p:extLst>
       <p:ext uri="{BB962C8B-B14F-4D97-AF65-F5344CB8AC3E}">
@@ -12747,28 +13245,85 @@
           <a:lstStyle/>
           <a:p>
             <a:r>
-              <a:rPr lang="nl-BE" dirty="0" err="1"/>
+              <a:rPr lang="nl-BE" dirty="0"/>
               <a:t>Datalaag</a:t>
             </a:r>
-            <a:endParaRPr lang="nl-BE" dirty="0"/>
           </a:p>
         </p:txBody>
       </p:sp>
-      <p:pic>
-        <p:nvPicPr>
-          <p:cNvPr id="4" name="Tijdelijke aanduiding voor inhoud 3">
-            <a:extLst>
-              <a:ext uri="{FF2B5EF4-FFF2-40B4-BE49-F238E27FC236}">
-                <a16:creationId xmlns:a16="http://schemas.microsoft.com/office/drawing/2014/main" id="{587418E8-AD47-432D-B498-84171522721A}"/>
-              </a:ext>
-            </a:extLst>
-          </p:cNvPr>
-          <p:cNvPicPr>
-            <a:picLocks noGrp="1" noChangeAspect="1"/>
-          </p:cNvPicPr>
+      <p:sp>
+        <p:nvSpPr>
+          <p:cNvPr id="3" name="Content Placeholder 2"/>
+          <p:cNvSpPr>
+            <a:spLocks noGrp="1"/>
+          </p:cNvSpPr>
           <p:nvPr>
             <p:ph idx="1"/>
           </p:nvPr>
+        </p:nvSpPr>
+        <p:spPr/>
+        <p:txBody>
+          <a:bodyPr/>
+          <a:lstStyle/>
+          <a:p>
+            <a:r>
+              <a:rPr lang="nl-BE" dirty="0"/>
+              <a:t>Datalaag is verantwoordelijk voor de beheer van data.</a:t>
+            </a:r>
+          </a:p>
+          <a:p>
+            <a:r>
+              <a:rPr lang="nl-BE" dirty="0"/>
+              <a:t>“JsonFileReader_ToObjects” leest een json bestand in en zet ze </a:t>
+            </a:r>
+            <a:br>
+              <a:rPr lang="nl-BE" dirty="0"/>
+            </a:br>
+            <a:r>
+              <a:rPr lang="nl-BE" dirty="0"/>
+              <a:t>om in Strip objecten.</a:t>
+            </a:r>
+          </a:p>
+          <a:p>
+            <a:r>
+              <a:rPr lang="nl-BE" dirty="0"/>
+              <a:t>“StripRepository” bevat de uitgewerkte versie van de businesslaag</a:t>
+            </a:r>
+          </a:p>
+          <a:p>
+            <a:r>
+              <a:rPr lang="nl-BE" dirty="0"/>
+              <a:t>“DbFunctions” en “App.config” zijn aangemaakt zodat iedereen zijn </a:t>
+            </a:r>
+            <a:br>
+              <a:rPr lang="nl-BE" dirty="0"/>
+            </a:br>
+            <a:r>
+              <a:rPr lang="nl-BE" dirty="0"/>
+              <a:t>connection String behoud na een GitHub push.</a:t>
+            </a:r>
+          </a:p>
+          <a:p>
+            <a:r>
+              <a:rPr lang="nl-BE" dirty="0"/>
+              <a:t>“Program” is aangemaakt voor testen in uit te voeren.</a:t>
+            </a:r>
+          </a:p>
+          <a:p>
+            <a:endParaRPr lang="nl-BE" dirty="0"/>
+          </a:p>
+          <a:p>
+            <a:endParaRPr lang="nl-BE" dirty="0"/>
+          </a:p>
+        </p:txBody>
+      </p:sp>
+      <p:pic>
+        <p:nvPicPr>
+          <p:cNvPr id="5" name="Picture 4"/>
+          <p:cNvPicPr>
+            <a:picLocks noChangeAspect="1"/>
+          </p:cNvPicPr>
+          <p:nvPr/>
         </p:nvPicPr>
         <p:blipFill>
           <a:blip r:embed="rId2"/>
@@ -12778,8 +13333,8 @@
         </p:blipFill>
         <p:spPr>
           <a:xfrm>
-            <a:off x="1154954" y="2448951"/>
-            <a:ext cx="3390900" cy="1762125"/>
+            <a:off x="8905057" y="1327151"/>
+            <a:ext cx="2810267" cy="1905266"/>
           </a:xfrm>
           <a:prstGeom prst="rect">
             <a:avLst/>
@@ -12789,7 +13344,7 @@
     </p:spTree>
     <p:extLst>
       <p:ext uri="{BB962C8B-B14F-4D97-AF65-F5344CB8AC3E}">
-        <p14:creationId xmlns:p14="http://schemas.microsoft.com/office/powerpoint/2010/main" val="2416017236"/>
+        <p14:creationId xmlns:p14="http://schemas.microsoft.com/office/powerpoint/2010/main" val="1666473124"/>
       </p:ext>
     </p:extLst>
   </p:cSld>
@@ -12821,7 +13376,7 @@
           <p:cNvPr id="2" name="Titel 1">
             <a:extLst>
               <a:ext uri="{FF2B5EF4-FFF2-40B4-BE49-F238E27FC236}">
-                <a16:creationId xmlns:a16="http://schemas.microsoft.com/office/drawing/2014/main" id="{BDBE56B7-0961-4CF0-B2A1-520DC72CBF8E}"/>
+                <a16:creationId xmlns:a16="http://schemas.microsoft.com/office/drawing/2014/main" id="{73B45C90-4848-4370-BB0E-02CEF93C239D}"/>
               </a:ext>
             </a:extLst>
           </p:cNvPr>
@@ -12839,47 +13394,88 @@
           <a:p>
             <a:r>
               <a:rPr lang="nl-BE" dirty="0"/>
-              <a:t>Gui</a:t>
+              <a:t>Datalaag -&gt; StripRepository (1/2)</a:t>
             </a:r>
           </a:p>
         </p:txBody>
       </p:sp>
-      <p:pic>
-        <p:nvPicPr>
-          <p:cNvPr id="4" name="Tijdelijke aanduiding voor inhoud 3">
-            <a:extLst>
-              <a:ext uri="{FF2B5EF4-FFF2-40B4-BE49-F238E27FC236}">
-                <a16:creationId xmlns:a16="http://schemas.microsoft.com/office/drawing/2014/main" id="{D866EDC8-4B43-4056-9E38-90F2182DBCA0}"/>
-              </a:ext>
-            </a:extLst>
-          </p:cNvPr>
-          <p:cNvPicPr>
-            <a:picLocks noGrp="1" noChangeAspect="1"/>
-          </p:cNvPicPr>
+      <p:sp>
+        <p:nvSpPr>
+          <p:cNvPr id="3" name="Content Placeholder 2"/>
+          <p:cNvSpPr>
+            <a:spLocks noGrp="1"/>
+          </p:cNvSpPr>
           <p:nvPr>
             <p:ph idx="1"/>
           </p:nvPr>
-        </p:nvPicPr>
-        <p:blipFill>
-          <a:blip r:embed="rId2"/>
-          <a:stretch>
-            <a:fillRect/>
-          </a:stretch>
-        </p:blipFill>
-        <p:spPr>
-          <a:xfrm>
-            <a:off x="1154954" y="2852084"/>
-            <a:ext cx="3400425" cy="1924050"/>
-          </a:xfrm>
-          <a:prstGeom prst="rect">
-            <a:avLst/>
-          </a:prstGeom>
-        </p:spPr>
-      </p:pic>
+        </p:nvSpPr>
+        <p:spPr/>
+        <p:txBody>
+          <a:bodyPr/>
+          <a:lstStyle/>
+          <a:p>
+            <a:pPr marL="0" indent="0">
+              <a:buNone/>
+            </a:pPr>
+            <a:r>
+              <a:rPr lang="nl-BE" dirty="0"/>
+              <a:t>Maakt connectie met DB en heeft query's voor:</a:t>
+            </a:r>
+          </a:p>
+          <a:p>
+            <a:r>
+              <a:rPr lang="nl-BE" dirty="0"/>
+              <a:t>List&lt;Strip&gt; weg te schrijven naar db</a:t>
+            </a:r>
+          </a:p>
+          <a:p>
+            <a:r>
+              <a:rPr lang="nl-BE" dirty="0"/>
+              <a:t>Een nieuwe strip aan db toe te voegen</a:t>
+            </a:r>
+          </a:p>
+          <a:p>
+            <a:r>
+              <a:rPr lang="nl-BE" dirty="0"/>
+              <a:t>In db een auteur te vinden door middel van Auteur object </a:t>
+            </a:r>
+          </a:p>
+          <a:p>
+            <a:r>
+              <a:rPr lang="nl-BE" dirty="0"/>
+              <a:t>In db een reeks te vinden door middel van Reeks object </a:t>
+            </a:r>
+          </a:p>
+          <a:p>
+            <a:r>
+              <a:rPr lang="nl-BE" dirty="0"/>
+              <a:t>Bepaalde trips van db opvragen door middel van Auteur object </a:t>
+            </a:r>
+          </a:p>
+          <a:p>
+            <a:r>
+              <a:rPr lang="nl-BE" dirty="0"/>
+              <a:t>Bepaalde trips van db opvragen door middel van Reeks object</a:t>
+            </a:r>
+          </a:p>
+          <a:p>
+            <a:r>
+              <a:rPr lang="nl-BE" dirty="0"/>
+              <a:t>Alle strips van db opvragen en als IEnumerable&lt;Strip&gt; terug geven</a:t>
+            </a:r>
+          </a:p>
+          <a:p>
+            <a:endParaRPr lang="nl-BE" dirty="0"/>
+          </a:p>
+          <a:p>
+            <a:endParaRPr lang="nl-BE" dirty="0"/>
+          </a:p>
+        </p:txBody>
+      </p:sp>
     </p:spTree>
     <p:extLst>
       <p:ext uri="{BB962C8B-B14F-4D97-AF65-F5344CB8AC3E}">
-        <p14:creationId xmlns:p14="http://schemas.microsoft.com/office/powerpoint/2010/main" val="510512613"/>
+        <p14:creationId xmlns:p14="http://schemas.microsoft.com/office/powerpoint/2010/main" val="1963865904"/>
       </p:ext>
     </p:extLst>
   </p:cSld>
@@ -12911,6 +13507,128 @@
           <p:cNvPr id="2" name="Titel 1">
             <a:extLst>
               <a:ext uri="{FF2B5EF4-FFF2-40B4-BE49-F238E27FC236}">
+                <a16:creationId xmlns:a16="http://schemas.microsoft.com/office/drawing/2014/main" id="{73B45C90-4848-4370-BB0E-02CEF93C239D}"/>
+              </a:ext>
+            </a:extLst>
+          </p:cNvPr>
+          <p:cNvSpPr>
+            <a:spLocks noGrp="1"/>
+          </p:cNvSpPr>
+          <p:nvPr>
+            <p:ph type="title"/>
+          </p:nvPr>
+        </p:nvSpPr>
+        <p:spPr/>
+        <p:txBody>
+          <a:bodyPr/>
+          <a:lstStyle/>
+          <a:p>
+            <a:r>
+              <a:rPr lang="nl-BE" dirty="0"/>
+              <a:t>Datalaag -&gt; StripRepository (2/2)</a:t>
+            </a:r>
+          </a:p>
+        </p:txBody>
+      </p:sp>
+      <p:sp>
+        <p:nvSpPr>
+          <p:cNvPr id="3" name="Content Placeholder 2"/>
+          <p:cNvSpPr>
+            <a:spLocks noGrp="1"/>
+          </p:cNvSpPr>
+          <p:nvPr>
+            <p:ph idx="1"/>
+          </p:nvPr>
+        </p:nvSpPr>
+        <p:spPr/>
+        <p:txBody>
+          <a:bodyPr/>
+          <a:lstStyle/>
+          <a:p>
+            <a:r>
+              <a:rPr lang="nl-BE" dirty="0"/>
+              <a:t>Een strip object opvragen van db door behulp van een strip id</a:t>
+            </a:r>
+          </a:p>
+          <a:p>
+            <a:r>
+              <a:rPr lang="nl-BE" dirty="0"/>
+              <a:t>Een strip verwijderen uit db door behulp van een strip id</a:t>
+            </a:r>
+          </a:p>
+          <a:p>
+            <a:r>
+              <a:rPr lang="nl-BE" dirty="0"/>
+              <a:t>Query's voor laatste id’s te krijgen van: strips, auteurs, reeks, uitgeverijen</a:t>
+            </a:r>
+          </a:p>
+          <a:p>
+            <a:r>
+              <a:rPr lang="nl-BE" dirty="0"/>
+              <a:t>Auteur te zoeken in db door behulp van een string (naam auteur)</a:t>
+            </a:r>
+          </a:p>
+          <a:p>
+            <a:r>
+              <a:rPr lang="nl-BE" dirty="0"/>
+              <a:t>Reeks te zoeken in db door behulp van een string (naam reeks)</a:t>
+            </a:r>
+          </a:p>
+          <a:p>
+            <a:r>
+              <a:rPr lang="nl-BE" dirty="0"/>
+              <a:t>Uitgeverij te zoeken in db door behulp van een string (naam uitgeverij)</a:t>
+            </a:r>
+          </a:p>
+          <a:p>
+            <a:endParaRPr lang="nl-BE" dirty="0"/>
+          </a:p>
+          <a:p>
+            <a:endParaRPr lang="nl-BE" dirty="0"/>
+          </a:p>
+          <a:p>
+            <a:endParaRPr lang="nl-BE" dirty="0"/>
+          </a:p>
+          <a:p>
+            <a:endParaRPr lang="nl-BE" dirty="0"/>
+          </a:p>
+        </p:txBody>
+      </p:sp>
+    </p:spTree>
+    <p:extLst>
+      <p:ext uri="{BB962C8B-B14F-4D97-AF65-F5344CB8AC3E}">
+        <p14:creationId xmlns:p14="http://schemas.microsoft.com/office/powerpoint/2010/main" val="3993604163"/>
+      </p:ext>
+    </p:extLst>
+  </p:cSld>
+  <p:clrMapOvr>
+    <a:masterClrMapping/>
+  </p:clrMapOvr>
+</p:sld>
+</file>
+
+<file path=ppt/slides/slide7.xml><?xml version="1.0" encoding="utf-8"?>
+<p:sld xmlns:a="http://schemas.openxmlformats.org/drawingml/2006/main" xmlns:r="http://schemas.openxmlformats.org/officeDocument/2006/relationships" xmlns:p="http://schemas.openxmlformats.org/presentationml/2006/main">
+  <p:cSld>
+    <p:spTree>
+      <p:nvGrpSpPr>
+        <p:cNvPr id="1" name=""/>
+        <p:cNvGrpSpPr/>
+        <p:nvPr/>
+      </p:nvGrpSpPr>
+      <p:grpSpPr>
+        <a:xfrm>
+          <a:off x="0" y="0"/>
+          <a:ext cx="0" cy="0"/>
+          <a:chOff x="0" y="0"/>
+          <a:chExt cx="0" cy="0"/>
+        </a:xfrm>
+      </p:grpSpPr>
+      <p:sp>
+        <p:nvSpPr>
+          <p:cNvPr id="2" name="Titel 1">
+            <a:extLst>
+              <a:ext uri="{FF2B5EF4-FFF2-40B4-BE49-F238E27FC236}">
                 <a16:creationId xmlns:a16="http://schemas.microsoft.com/office/drawing/2014/main" id="{0138515B-6CA7-4C90-A741-FE61B26DBA77}"/>
               </a:ext>
             </a:extLst>
@@ -12929,26 +13647,18 @@
           <a:p>
             <a:r>
               <a:rPr lang="nl-BE" dirty="0"/>
-              <a:t>Overige lagen</a:t>
+              <a:t>GUI laag</a:t>
             </a:r>
           </a:p>
         </p:txBody>
       </p:sp>
       <p:pic>
         <p:nvPicPr>
-          <p:cNvPr id="4" name="Tijdelijke aanduiding voor inhoud 3">
-            <a:extLst>
-              <a:ext uri="{FF2B5EF4-FFF2-40B4-BE49-F238E27FC236}">
-                <a16:creationId xmlns:a16="http://schemas.microsoft.com/office/drawing/2014/main" id="{D28DC8A1-CD46-49D8-8FB7-BAB62022657D}"/>
-              </a:ext>
-            </a:extLst>
-          </p:cNvPr>
+          <p:cNvPr id="7" name="Picture 6"/>
           <p:cNvPicPr>
-            <a:picLocks noGrp="1" noChangeAspect="1"/>
+            <a:picLocks noChangeAspect="1"/>
           </p:cNvPicPr>
-          <p:nvPr>
-            <p:ph idx="1"/>
-          </p:nvPr>
+          <p:nvPr/>
         </p:nvPicPr>
         <p:blipFill>
           <a:blip r:embed="rId2"/>
@@ -12958,8 +13668,8 @@
         </p:blipFill>
         <p:spPr>
           <a:xfrm>
-            <a:off x="1154954" y="3024167"/>
-            <a:ext cx="3409950" cy="1066800"/>
+            <a:off x="4707606" y="2673853"/>
+            <a:ext cx="7484394" cy="4152359"/>
           </a:xfrm>
           <a:prstGeom prst="rect">
             <a:avLst/>
@@ -12968,13 +13678,7 @@
       </p:pic>
       <p:pic>
         <p:nvPicPr>
-          <p:cNvPr id="5" name="Afbeelding 4">
-            <a:extLst>
-              <a:ext uri="{FF2B5EF4-FFF2-40B4-BE49-F238E27FC236}">
-                <a16:creationId xmlns:a16="http://schemas.microsoft.com/office/drawing/2014/main" id="{22B9939A-EEBA-4CD3-A2E5-9BF228E0D2A3}"/>
-              </a:ext>
-            </a:extLst>
-          </p:cNvPr>
+          <p:cNvPr id="6" name="Picture 5"/>
           <p:cNvPicPr>
             <a:picLocks noChangeAspect="1"/>
           </p:cNvPicPr>
@@ -12988,8 +13692,208 @@
         </p:blipFill>
         <p:spPr>
           <a:xfrm>
-            <a:off x="5943600" y="3024167"/>
-            <a:ext cx="3962400" cy="790575"/>
+            <a:off x="7229220" y="973669"/>
+            <a:ext cx="2441166" cy="1986440"/>
+          </a:xfrm>
+          <a:prstGeom prst="rect">
+            <a:avLst/>
+          </a:prstGeom>
+        </p:spPr>
+      </p:pic>
+      <p:sp>
+        <p:nvSpPr>
+          <p:cNvPr id="8" name="TextBox 7"/>
+          <p:cNvSpPr txBox="1"/>
+          <p:nvPr/>
+        </p:nvSpPr>
+        <p:spPr>
+          <a:xfrm>
+            <a:off x="615462" y="2960109"/>
+            <a:ext cx="4092144" cy="1754326"/>
+          </a:xfrm>
+          <a:prstGeom prst="rect">
+            <a:avLst/>
+          </a:prstGeom>
+          <a:noFill/>
+        </p:spPr>
+        <p:txBody>
+          <a:bodyPr wrap="square" rtlCol="0">
+            <a:spAutoFit/>
+          </a:bodyPr>
+          <a:lstStyle/>
+          <a:p>
+            <a:r>
+              <a:rPr lang="nl-BE" dirty="0"/>
+              <a:t>In de GUI zien we momenteel alle </a:t>
+            </a:r>
+          </a:p>
+          <a:p>
+            <a:r>
+              <a:rPr lang="nl-BE" dirty="0"/>
+              <a:t>Strip van de DB en kan men een </a:t>
+            </a:r>
+          </a:p>
+          <a:p>
+            <a:r>
+              <a:rPr lang="nl-BE" dirty="0"/>
+              <a:t>Nieuwe strip aanmaken in de volgende scherm.</a:t>
+            </a:r>
+          </a:p>
+          <a:p>
+            <a:endParaRPr lang="nl-BE" dirty="0"/>
+          </a:p>
+          <a:p>
+            <a:r>
+              <a:rPr lang="nl-BE" dirty="0"/>
+              <a:t>De Query's zijn hiervoor bijna af.</a:t>
+            </a:r>
+          </a:p>
+        </p:txBody>
+      </p:sp>
+    </p:spTree>
+    <p:extLst>
+      <p:ext uri="{BB962C8B-B14F-4D97-AF65-F5344CB8AC3E}">
+        <p14:creationId xmlns:p14="http://schemas.microsoft.com/office/powerpoint/2010/main" val="3944291530"/>
+      </p:ext>
+    </p:extLst>
+  </p:cSld>
+  <p:clrMapOvr>
+    <a:masterClrMapping/>
+  </p:clrMapOvr>
+</p:sld>
+</file>
+
+<file path=ppt/slides/slide8.xml><?xml version="1.0" encoding="utf-8"?>
+<p:sld xmlns:a="http://schemas.openxmlformats.org/drawingml/2006/main" xmlns:r="http://schemas.openxmlformats.org/officeDocument/2006/relationships" xmlns:p="http://schemas.openxmlformats.org/presentationml/2006/main">
+  <p:cSld>
+    <p:spTree>
+      <p:nvGrpSpPr>
+        <p:cNvPr id="1" name=""/>
+        <p:cNvGrpSpPr/>
+        <p:nvPr/>
+      </p:nvGrpSpPr>
+      <p:grpSpPr>
+        <a:xfrm>
+          <a:off x="0" y="0"/>
+          <a:ext cx="0" cy="0"/>
+          <a:chOff x="0" y="0"/>
+          <a:chExt cx="0" cy="0"/>
+        </a:xfrm>
+      </p:grpSpPr>
+      <p:sp>
+        <p:nvSpPr>
+          <p:cNvPr id="2" name="Titel 1">
+            <a:extLst>
+              <a:ext uri="{FF2B5EF4-FFF2-40B4-BE49-F238E27FC236}">
+                <a16:creationId xmlns:a16="http://schemas.microsoft.com/office/drawing/2014/main" id="{0138515B-6CA7-4C90-A741-FE61B26DBA77}"/>
+              </a:ext>
+            </a:extLst>
+          </p:cNvPr>
+          <p:cNvSpPr>
+            <a:spLocks noGrp="1"/>
+          </p:cNvSpPr>
+          <p:nvPr>
+            <p:ph type="title"/>
+          </p:nvPr>
+        </p:nvSpPr>
+        <p:spPr/>
+        <p:txBody>
+          <a:bodyPr/>
+          <a:lstStyle/>
+          <a:p>
+            <a:r>
+              <a:rPr lang="nl-BE" dirty="0"/>
+              <a:t>GUI laag</a:t>
+            </a:r>
+          </a:p>
+        </p:txBody>
+      </p:sp>
+      <p:sp>
+        <p:nvSpPr>
+          <p:cNvPr id="8" name="TextBox 7"/>
+          <p:cNvSpPr txBox="1"/>
+          <p:nvPr/>
+        </p:nvSpPr>
+        <p:spPr>
+          <a:xfrm>
+            <a:off x="615462" y="2960109"/>
+            <a:ext cx="4092144" cy="2585323"/>
+          </a:xfrm>
+          <a:prstGeom prst="rect">
+            <a:avLst/>
+          </a:prstGeom>
+          <a:noFill/>
+        </p:spPr>
+        <p:txBody>
+          <a:bodyPr wrap="square" rtlCol="0">
+            <a:spAutoFit/>
+          </a:bodyPr>
+          <a:lstStyle/>
+          <a:p>
+            <a:r>
+              <a:rPr lang="nl-BE" dirty="0"/>
+              <a:t>Hiernaast ziet u een scherm</a:t>
+            </a:r>
+          </a:p>
+          <a:p>
+            <a:r>
+              <a:rPr lang="nl-BE" dirty="0"/>
+              <a:t>Waar men een nieuwe strip</a:t>
+            </a:r>
+          </a:p>
+          <a:p>
+            <a:r>
+              <a:rPr lang="nl-BE" dirty="0"/>
+              <a:t>In zou kunnen toevoegen.</a:t>
+            </a:r>
+          </a:p>
+          <a:p>
+            <a:endParaRPr lang="nl-BE" dirty="0"/>
+          </a:p>
+          <a:p>
+            <a:r>
+              <a:rPr lang="nl-BE" dirty="0"/>
+              <a:t>Het kan ook geannuleerd worden.</a:t>
+            </a:r>
+          </a:p>
+          <a:p>
+            <a:r>
+              <a:rPr lang="nl-BE" dirty="0"/>
+              <a:t>Zodra er een nieuwe strip is aangemaakt, sluit deze scherm</a:t>
+            </a:r>
+          </a:p>
+          <a:p>
+            <a:r>
+              <a:rPr lang="nl-BE" dirty="0"/>
+              <a:t>En word de eerste vernieuwd</a:t>
+            </a:r>
+          </a:p>
+          <a:p>
+            <a:r>
+              <a:rPr lang="nl-BE" dirty="0"/>
+              <a:t>Met de nieuwe data.</a:t>
+            </a:r>
+          </a:p>
+        </p:txBody>
+      </p:sp>
+      <p:pic>
+        <p:nvPicPr>
+          <p:cNvPr id="3" name="Picture 2"/>
+          <p:cNvPicPr>
+            <a:picLocks noChangeAspect="1"/>
+          </p:cNvPicPr>
+          <p:nvPr/>
+        </p:nvPicPr>
+        <p:blipFill>
+          <a:blip r:embed="rId2"/>
+          <a:stretch>
+            <a:fillRect/>
+          </a:stretch>
+        </p:blipFill>
+        <p:spPr>
+          <a:xfrm>
+            <a:off x="4408989" y="1977865"/>
+            <a:ext cx="7783011" cy="4734586"/>
           </a:xfrm>
           <a:prstGeom prst="rect">
             <a:avLst/>
@@ -12999,7 +13903,157 @@
     </p:spTree>
     <p:extLst>
       <p:ext uri="{BB962C8B-B14F-4D97-AF65-F5344CB8AC3E}">
-        <p14:creationId xmlns:p14="http://schemas.microsoft.com/office/powerpoint/2010/main" val="3944291530"/>
+        <p14:creationId xmlns:p14="http://schemas.microsoft.com/office/powerpoint/2010/main" val="3250566617"/>
+      </p:ext>
+    </p:extLst>
+  </p:cSld>
+  <p:clrMapOvr>
+    <a:masterClrMapping/>
+  </p:clrMapOvr>
+</p:sld>
+</file>
+
+<file path=ppt/slides/slide9.xml><?xml version="1.0" encoding="utf-8"?>
+<p:sld xmlns:a="http://schemas.openxmlformats.org/drawingml/2006/main" xmlns:r="http://schemas.openxmlformats.org/officeDocument/2006/relationships" xmlns:p="http://schemas.openxmlformats.org/presentationml/2006/main">
+  <p:cSld>
+    <p:spTree>
+      <p:nvGrpSpPr>
+        <p:cNvPr id="1" name=""/>
+        <p:cNvGrpSpPr/>
+        <p:nvPr/>
+      </p:nvGrpSpPr>
+      <p:grpSpPr>
+        <a:xfrm>
+          <a:off x="0" y="0"/>
+          <a:ext cx="0" cy="0"/>
+          <a:chOff x="0" y="0"/>
+          <a:chExt cx="0" cy="0"/>
+        </a:xfrm>
+      </p:grpSpPr>
+      <p:sp>
+        <p:nvSpPr>
+          <p:cNvPr id="2" name="Title 1"/>
+          <p:cNvSpPr>
+            <a:spLocks noGrp="1"/>
+          </p:cNvSpPr>
+          <p:nvPr>
+            <p:ph type="title"/>
+          </p:nvPr>
+        </p:nvSpPr>
+        <p:spPr/>
+        <p:txBody>
+          <a:bodyPr/>
+          <a:lstStyle/>
+          <a:p>
+            <a:r>
+              <a:rPr lang="nl-BE" dirty="0"/>
+              <a:t>JSON (GUI) laag (1/2)</a:t>
+            </a:r>
+          </a:p>
+        </p:txBody>
+      </p:sp>
+      <p:sp>
+        <p:nvSpPr>
+          <p:cNvPr id="4" name="TextBox 3"/>
+          <p:cNvSpPr txBox="1"/>
+          <p:nvPr/>
+        </p:nvSpPr>
+        <p:spPr>
+          <a:xfrm>
+            <a:off x="599115" y="2338754"/>
+            <a:ext cx="9937336" cy="1477328"/>
+          </a:xfrm>
+          <a:prstGeom prst="rect">
+            <a:avLst/>
+          </a:prstGeom>
+          <a:noFill/>
+        </p:spPr>
+        <p:txBody>
+          <a:bodyPr wrap="none" rtlCol="0">
+            <a:spAutoFit/>
+          </a:bodyPr>
+          <a:lstStyle/>
+          <a:p>
+            <a:r>
+              <a:rPr lang="nl-BE" dirty="0"/>
+              <a:t>We hebben een aparte programma gemaakt waarin men uiteindelijk een geldige strip</a:t>
+            </a:r>
+          </a:p>
+          <a:p>
+            <a:r>
+              <a:rPr lang="nl-BE" dirty="0"/>
+              <a:t>Json file in kan uploaden en naar db overzetten.</a:t>
+            </a:r>
+          </a:p>
+          <a:p>
+            <a:r>
+              <a:rPr lang="nl-BE" dirty="0"/>
+              <a:t>En waarin een json file gemaakt kan worden vanuit onze db data.</a:t>
+            </a:r>
+          </a:p>
+          <a:p>
+            <a:endParaRPr lang="nl-BE" dirty="0"/>
+          </a:p>
+          <a:p>
+            <a:r>
+              <a:rPr lang="nl-BE" dirty="0"/>
+              <a:t>Momenteel doet hij enkel het eerste.</a:t>
+            </a:r>
+          </a:p>
+        </p:txBody>
+      </p:sp>
+      <p:pic>
+        <p:nvPicPr>
+          <p:cNvPr id="5" name="Picture 4"/>
+          <p:cNvPicPr>
+            <a:picLocks noChangeAspect="1"/>
+          </p:cNvPicPr>
+          <p:nvPr/>
+        </p:nvPicPr>
+        <p:blipFill>
+          <a:blip r:embed="rId2"/>
+          <a:stretch>
+            <a:fillRect/>
+          </a:stretch>
+        </p:blipFill>
+        <p:spPr>
+          <a:xfrm>
+            <a:off x="1282957" y="4076963"/>
+            <a:ext cx="4945463" cy="2781037"/>
+          </a:xfrm>
+          <a:prstGeom prst="rect">
+            <a:avLst/>
+          </a:prstGeom>
+        </p:spPr>
+      </p:pic>
+      <p:pic>
+        <p:nvPicPr>
+          <p:cNvPr id="6" name="Picture 5"/>
+          <p:cNvPicPr>
+            <a:picLocks noChangeAspect="1"/>
+          </p:cNvPicPr>
+          <p:nvPr/>
+        </p:nvPicPr>
+        <p:blipFill>
+          <a:blip r:embed="rId3"/>
+          <a:stretch>
+            <a:fillRect/>
+          </a:stretch>
+        </p:blipFill>
+        <p:spPr>
+          <a:xfrm>
+            <a:off x="6228420" y="3298108"/>
+            <a:ext cx="5963580" cy="3559892"/>
+          </a:xfrm>
+          <a:prstGeom prst="rect">
+            <a:avLst/>
+          </a:prstGeom>
+        </p:spPr>
+      </p:pic>
+    </p:spTree>
+    <p:extLst>
+      <p:ext uri="{BB962C8B-B14F-4D97-AF65-F5344CB8AC3E}">
+        <p14:creationId xmlns:p14="http://schemas.microsoft.com/office/powerpoint/2010/main" val="2116965099"/>
       </p:ext>
     </p:extLst>
   </p:cSld>
